--- a/problem statement and landscape/EDSA INTEGRATED PROJECT.pptx
+++ b/problem statement and landscape/EDSA INTEGRATED PROJECT.pptx
@@ -128,7 +128,7 @@
   <pc:docChgLst>
     <pc:chgData name="Bertie Venter" userId="17d1df70-4bd5-466d-9d25-c1051433142b" providerId="ADAL" clId="{1B7081B3-D5F5-40D0-BD1C-A7240F187996}"/>
     <pc:docChg chg="undo custSel addSld delSld modSld sldOrd">
-      <pc:chgData name="Bertie Venter" userId="17d1df70-4bd5-466d-9d25-c1051433142b" providerId="ADAL" clId="{1B7081B3-D5F5-40D0-BD1C-A7240F187996}" dt="2024-05-22T08:14:55.187" v="1325" actId="403"/>
+      <pc:chgData name="Bertie Venter" userId="17d1df70-4bd5-466d-9d25-c1051433142b" providerId="ADAL" clId="{1B7081B3-D5F5-40D0-BD1C-A7240F187996}" dt="2024-06-07T06:39:00.292" v="1326" actId="108"/>
       <pc:docMkLst>
         <pc:docMk/>
       </pc:docMkLst>
@@ -179,7 +179,7 @@
         </pc:spChg>
       </pc:sldChg>
       <pc:sldChg chg="addSp delSp modSp mod">
-        <pc:chgData name="Bertie Venter" userId="17d1df70-4bd5-466d-9d25-c1051433142b" providerId="ADAL" clId="{1B7081B3-D5F5-40D0-BD1C-A7240F187996}" dt="2024-05-22T08:09:40.802" v="1323" actId="207"/>
+        <pc:chgData name="Bertie Venter" userId="17d1df70-4bd5-466d-9d25-c1051433142b" providerId="ADAL" clId="{1B7081B3-D5F5-40D0-BD1C-A7240F187996}" dt="2024-06-07T06:39:00.292" v="1326" actId="108"/>
         <pc:sldMkLst>
           <pc:docMk/>
           <pc:sldMk cId="1953027605" sldId="258"/>
@@ -209,7 +209,7 @@
           </ac:spMkLst>
         </pc:spChg>
         <pc:spChg chg="mod">
-          <ac:chgData name="Bertie Venter" userId="17d1df70-4bd5-466d-9d25-c1051433142b" providerId="ADAL" clId="{1B7081B3-D5F5-40D0-BD1C-A7240F187996}" dt="2024-05-03T09:40:40.242" v="1295" actId="1076"/>
+          <ac:chgData name="Bertie Venter" userId="17d1df70-4bd5-466d-9d25-c1051433142b" providerId="ADAL" clId="{1B7081B3-D5F5-40D0-BD1C-A7240F187996}" dt="2024-06-07T06:39:00.292" v="1326" actId="108"/>
           <ac:spMkLst>
             <pc:docMk/>
             <pc:sldMk cId="1953027605" sldId="258"/>
@@ -542,7 +542,7 @@
           <a:noFill/>
           <a:extLst>
             <a:ext uri="{909E8E84-426E-40dd-AFC4-6F175D3DCCD1}">
-              <a14:hiddenFill xmlns="" xmlns:a14="http://schemas.microsoft.com/office/drawing/2010/main">
+              <a14:hiddenFill xmlns:a14="http://schemas.microsoft.com/office/drawing/2010/main" xmlns="">
                 <a:solidFill>
                   <a:srgbClr val="FFFFFF"/>
                 </a:solidFill>
@@ -602,7 +602,7 @@
             </a:ln>
             <a:extLst>
               <a:ext uri="{91240B29-F687-4f45-9708-019B960494DF}">
-                <a14:hiddenLine xmlns="" xmlns:a14="http://schemas.microsoft.com/office/drawing/2010/main" w="9525">
+                <a14:hiddenLine xmlns:a14="http://schemas.microsoft.com/office/drawing/2010/main" xmlns="" w="9525">
                   <a:solidFill>
                     <a:srgbClr val="000000"/>
                   </a:solidFill>
@@ -692,7 +692,7 @@
             </a:ln>
             <a:extLst>
               <a:ext uri="{91240B29-F687-4f45-9708-019B960494DF}">
-                <a14:hiddenLine xmlns="" xmlns:a14="http://schemas.microsoft.com/office/drawing/2010/main" w="9525">
+                <a14:hiddenLine xmlns:a14="http://schemas.microsoft.com/office/drawing/2010/main" xmlns="" w="9525">
                   <a:solidFill>
                     <a:srgbClr val="000000"/>
                   </a:solidFill>
@@ -782,7 +782,7 @@
             </a:ln>
             <a:extLst>
               <a:ext uri="{91240B29-F687-4f45-9708-019B960494DF}">
-                <a14:hiddenLine xmlns="" xmlns:a14="http://schemas.microsoft.com/office/drawing/2010/main" w="9525">
+                <a14:hiddenLine xmlns:a14="http://schemas.microsoft.com/office/drawing/2010/main" xmlns="" w="9525">
                   <a:solidFill>
                     <a:srgbClr val="000000"/>
                   </a:solidFill>
@@ -816,7 +816,7 @@
             </a:ln>
             <a:extLst>
               <a:ext uri="{91240B29-F687-4f45-9708-019B960494DF}">
-                <a14:hiddenLine xmlns="" xmlns:a14="http://schemas.microsoft.com/office/drawing/2010/main" w="9525">
+                <a14:hiddenLine xmlns:a14="http://schemas.microsoft.com/office/drawing/2010/main" xmlns="" w="9525">
                   <a:solidFill>
                     <a:srgbClr val="000000"/>
                   </a:solidFill>
@@ -906,7 +906,7 @@
             </a:ln>
             <a:extLst>
               <a:ext uri="{91240B29-F687-4f45-9708-019B960494DF}">
-                <a14:hiddenLine xmlns="" xmlns:a14="http://schemas.microsoft.com/office/drawing/2010/main" w="9525">
+                <a14:hiddenLine xmlns:a14="http://schemas.microsoft.com/office/drawing/2010/main" xmlns="" w="9525">
                   <a:solidFill>
                     <a:srgbClr val="000000"/>
                   </a:solidFill>
@@ -968,7 +968,7 @@
             </a:ln>
             <a:extLst>
               <a:ext uri="{91240B29-F687-4f45-9708-019B960494DF}">
-                <a14:hiddenLine xmlns="" xmlns:a14="http://schemas.microsoft.com/office/drawing/2010/main" w="9525">
+                <a14:hiddenLine xmlns:a14="http://schemas.microsoft.com/office/drawing/2010/main" xmlns="" w="9525">
                   <a:solidFill>
                     <a:srgbClr val="000000"/>
                   </a:solidFill>
@@ -1030,7 +1030,7 @@
             </a:ln>
             <a:extLst>
               <a:ext uri="{91240B29-F687-4f45-9708-019B960494DF}">
-                <a14:hiddenLine xmlns="" xmlns:a14="http://schemas.microsoft.com/office/drawing/2010/main" w="9525">
+                <a14:hiddenLine xmlns:a14="http://schemas.microsoft.com/office/drawing/2010/main" xmlns="" w="9525">
                   <a:solidFill>
                     <a:srgbClr val="000000"/>
                   </a:solidFill>
@@ -1120,7 +1120,7 @@
             </a:ln>
             <a:extLst>
               <a:ext uri="{91240B29-F687-4f45-9708-019B960494DF}">
-                <a14:hiddenLine xmlns="" xmlns:a14="http://schemas.microsoft.com/office/drawing/2010/main" w="9525">
+                <a14:hiddenLine xmlns:a14="http://schemas.microsoft.com/office/drawing/2010/main" xmlns="" w="9525">
                   <a:solidFill>
                     <a:srgbClr val="000000"/>
                   </a:solidFill>
@@ -1182,7 +1182,7 @@
             </a:ln>
             <a:extLst>
               <a:ext uri="{91240B29-F687-4f45-9708-019B960494DF}">
-                <a14:hiddenLine xmlns="" xmlns:a14="http://schemas.microsoft.com/office/drawing/2010/main" w="9525">
+                <a14:hiddenLine xmlns:a14="http://schemas.microsoft.com/office/drawing/2010/main" xmlns="" w="9525">
                   <a:solidFill>
                     <a:srgbClr val="000000"/>
                   </a:solidFill>
@@ -1244,7 +1244,7 @@
             </a:ln>
             <a:extLst>
               <a:ext uri="{91240B29-F687-4f45-9708-019B960494DF}">
-                <a14:hiddenLine xmlns="" xmlns:a14="http://schemas.microsoft.com/office/drawing/2010/main" w="9525">
+                <a14:hiddenLine xmlns:a14="http://schemas.microsoft.com/office/drawing/2010/main" xmlns="" w="9525">
                   <a:solidFill>
                     <a:srgbClr val="000000"/>
                   </a:solidFill>
@@ -1334,7 +1334,7 @@
             </a:ln>
             <a:extLst>
               <a:ext uri="{91240B29-F687-4f45-9708-019B960494DF}">
-                <a14:hiddenLine xmlns="" xmlns:a14="http://schemas.microsoft.com/office/drawing/2010/main" w="9525">
+                <a14:hiddenLine xmlns:a14="http://schemas.microsoft.com/office/drawing/2010/main" xmlns="" w="9525">
                   <a:solidFill>
                     <a:srgbClr val="000000"/>
                   </a:solidFill>
@@ -1424,7 +1424,7 @@
             </a:ln>
             <a:extLst>
               <a:ext uri="{91240B29-F687-4f45-9708-019B960494DF}">
-                <a14:hiddenLine xmlns="" xmlns:a14="http://schemas.microsoft.com/office/drawing/2010/main" w="9525">
+                <a14:hiddenLine xmlns:a14="http://schemas.microsoft.com/office/drawing/2010/main" xmlns="" w="9525">
                   <a:solidFill>
                     <a:srgbClr val="000000"/>
                   </a:solidFill>
@@ -1486,7 +1486,7 @@
             </a:ln>
             <a:extLst>
               <a:ext uri="{91240B29-F687-4f45-9708-019B960494DF}">
-                <a14:hiddenLine xmlns="" xmlns:a14="http://schemas.microsoft.com/office/drawing/2010/main" w="9525">
+                <a14:hiddenLine xmlns:a14="http://schemas.microsoft.com/office/drawing/2010/main" xmlns="" w="9525">
                   <a:solidFill>
                     <a:srgbClr val="000000"/>
                   </a:solidFill>
@@ -1596,7 +1596,7 @@
             </a:ln>
             <a:extLst>
               <a:ext uri="{91240B29-F687-4f45-9708-019B960494DF}">
-                <a14:hiddenLine xmlns="" xmlns:a14="http://schemas.microsoft.com/office/drawing/2010/main" w="9525">
+                <a14:hiddenLine xmlns:a14="http://schemas.microsoft.com/office/drawing/2010/main" xmlns="" w="9525">
                   <a:solidFill>
                     <a:srgbClr val="000000"/>
                   </a:solidFill>
@@ -1658,7 +1658,7 @@
             </a:ln>
             <a:extLst>
               <a:ext uri="{91240B29-F687-4f45-9708-019B960494DF}">
-                <a14:hiddenLine xmlns="" xmlns:a14="http://schemas.microsoft.com/office/drawing/2010/main" w="9525">
+                <a14:hiddenLine xmlns:a14="http://schemas.microsoft.com/office/drawing/2010/main" xmlns="" w="9525">
                   <a:solidFill>
                     <a:srgbClr val="000000"/>
                   </a:solidFill>
@@ -1748,7 +1748,7 @@
             </a:ln>
             <a:extLst>
               <a:ext uri="{91240B29-F687-4f45-9708-019B960494DF}">
-                <a14:hiddenLine xmlns="" xmlns:a14="http://schemas.microsoft.com/office/drawing/2010/main" w="9525">
+                <a14:hiddenLine xmlns:a14="http://schemas.microsoft.com/office/drawing/2010/main" xmlns="" w="9525">
                   <a:solidFill>
                     <a:srgbClr val="000000"/>
                   </a:solidFill>
@@ -1838,7 +1838,7 @@
             </a:ln>
             <a:extLst>
               <a:ext uri="{91240B29-F687-4f45-9708-019B960494DF}">
-                <a14:hiddenLine xmlns="" xmlns:a14="http://schemas.microsoft.com/office/drawing/2010/main" w="9525">
+                <a14:hiddenLine xmlns:a14="http://schemas.microsoft.com/office/drawing/2010/main" xmlns="" w="9525">
                   <a:solidFill>
                     <a:srgbClr val="000000"/>
                   </a:solidFill>
@@ -1900,7 +1900,7 @@
             </a:ln>
             <a:extLst>
               <a:ext uri="{91240B29-F687-4f45-9708-019B960494DF}">
-                <a14:hiddenLine xmlns="" xmlns:a14="http://schemas.microsoft.com/office/drawing/2010/main" w="9525">
+                <a14:hiddenLine xmlns:a14="http://schemas.microsoft.com/office/drawing/2010/main" xmlns="" w="9525">
                   <a:solidFill>
                     <a:srgbClr val="000000"/>
                   </a:solidFill>
@@ -1990,7 +1990,7 @@
             </a:ln>
             <a:extLst>
               <a:ext uri="{91240B29-F687-4f45-9708-019B960494DF}">
-                <a14:hiddenLine xmlns="" xmlns:a14="http://schemas.microsoft.com/office/drawing/2010/main" w="9525">
+                <a14:hiddenLine xmlns:a14="http://schemas.microsoft.com/office/drawing/2010/main" xmlns="" w="9525">
                   <a:solidFill>
                     <a:srgbClr val="000000"/>
                   </a:solidFill>
@@ -2080,7 +2080,7 @@
             </a:ln>
             <a:extLst>
               <a:ext uri="{91240B29-F687-4f45-9708-019B960494DF}">
-                <a14:hiddenLine xmlns="" xmlns:a14="http://schemas.microsoft.com/office/drawing/2010/main" w="9525">
+                <a14:hiddenLine xmlns:a14="http://schemas.microsoft.com/office/drawing/2010/main" xmlns="" w="9525">
                   <a:solidFill>
                     <a:srgbClr val="000000"/>
                   </a:solidFill>
@@ -2136,7 +2136,7 @@
             </a:ln>
             <a:extLst>
               <a:ext uri="{91240B29-F687-4f45-9708-019B960494DF}">
-                <a14:hiddenLine xmlns="" xmlns:a14="http://schemas.microsoft.com/office/drawing/2010/main" w="9525">
+                <a14:hiddenLine xmlns:a14="http://schemas.microsoft.com/office/drawing/2010/main" xmlns="" w="9525">
                   <a:solidFill>
                     <a:srgbClr val="000000"/>
                   </a:solidFill>
@@ -2226,7 +2226,7 @@
             </a:ln>
             <a:extLst>
               <a:ext uri="{91240B29-F687-4f45-9708-019B960494DF}">
-                <a14:hiddenLine xmlns="" xmlns:a14="http://schemas.microsoft.com/office/drawing/2010/main" w="9525">
+                <a14:hiddenLine xmlns:a14="http://schemas.microsoft.com/office/drawing/2010/main" xmlns="" w="9525">
                   <a:solidFill>
                     <a:srgbClr val="000000"/>
                   </a:solidFill>
@@ -2282,7 +2282,7 @@
             </a:ln>
             <a:extLst>
               <a:ext uri="{91240B29-F687-4f45-9708-019B960494DF}">
-                <a14:hiddenLine xmlns="" xmlns:a14="http://schemas.microsoft.com/office/drawing/2010/main" w="9525">
+                <a14:hiddenLine xmlns:a14="http://schemas.microsoft.com/office/drawing/2010/main" xmlns="" w="9525">
                   <a:solidFill>
                     <a:srgbClr val="000000"/>
                   </a:solidFill>
@@ -2372,7 +2372,7 @@
             </a:ln>
             <a:extLst>
               <a:ext uri="{91240B29-F687-4f45-9708-019B960494DF}">
-                <a14:hiddenLine xmlns="" xmlns:a14="http://schemas.microsoft.com/office/drawing/2010/main" w="9525">
+                <a14:hiddenLine xmlns:a14="http://schemas.microsoft.com/office/drawing/2010/main" xmlns="" w="9525">
                   <a:solidFill>
                     <a:srgbClr val="000000"/>
                   </a:solidFill>
@@ -2440,7 +2440,7 @@
             </a:ln>
             <a:extLst>
               <a:ext uri="{91240B29-F687-4f45-9708-019B960494DF}">
-                <a14:hiddenLine xmlns="" xmlns:a14="http://schemas.microsoft.com/office/drawing/2010/main" w="9525">
+                <a14:hiddenLine xmlns:a14="http://schemas.microsoft.com/office/drawing/2010/main" xmlns="" w="9525">
                   <a:solidFill>
                     <a:srgbClr val="000000"/>
                   </a:solidFill>
@@ -2530,7 +2530,7 @@
             </a:ln>
             <a:extLst>
               <a:ext uri="{91240B29-F687-4f45-9708-019B960494DF}">
-                <a14:hiddenLine xmlns="" xmlns:a14="http://schemas.microsoft.com/office/drawing/2010/main" w="9525">
+                <a14:hiddenLine xmlns:a14="http://schemas.microsoft.com/office/drawing/2010/main" xmlns="" w="9525">
                   <a:solidFill>
                     <a:srgbClr val="000000"/>
                   </a:solidFill>
@@ -2598,7 +2598,7 @@
             </a:ln>
             <a:extLst>
               <a:ext uri="{91240B29-F687-4f45-9708-019B960494DF}">
-                <a14:hiddenLine xmlns="" xmlns:a14="http://schemas.microsoft.com/office/drawing/2010/main" w="9525">
+                <a14:hiddenLine xmlns:a14="http://schemas.microsoft.com/office/drawing/2010/main" xmlns="" w="9525">
                   <a:solidFill>
                     <a:srgbClr val="000000"/>
                   </a:solidFill>
@@ -2688,7 +2688,7 @@
             </a:ln>
             <a:extLst>
               <a:ext uri="{91240B29-F687-4f45-9708-019B960494DF}">
-                <a14:hiddenLine xmlns="" xmlns:a14="http://schemas.microsoft.com/office/drawing/2010/main" w="9525">
+                <a14:hiddenLine xmlns:a14="http://schemas.microsoft.com/office/drawing/2010/main" xmlns="" w="9525">
                   <a:solidFill>
                     <a:srgbClr val="000000"/>
                   </a:solidFill>
@@ -2722,7 +2722,7 @@
             </a:ln>
             <a:extLst>
               <a:ext uri="{91240B29-F687-4f45-9708-019B960494DF}">
-                <a14:hiddenLine xmlns="" xmlns:a14="http://schemas.microsoft.com/office/drawing/2010/main" w="9525">
+                <a14:hiddenLine xmlns:a14="http://schemas.microsoft.com/office/drawing/2010/main" xmlns="" w="9525">
                   <a:solidFill>
                     <a:srgbClr val="000000"/>
                   </a:solidFill>
@@ -2812,7 +2812,7 @@
             </a:ln>
             <a:extLst>
               <a:ext uri="{91240B29-F687-4f45-9708-019B960494DF}">
-                <a14:hiddenLine xmlns="" xmlns:a14="http://schemas.microsoft.com/office/drawing/2010/main" w="9525">
+                <a14:hiddenLine xmlns:a14="http://schemas.microsoft.com/office/drawing/2010/main" xmlns="" w="9525">
                   <a:solidFill>
                     <a:srgbClr val="000000"/>
                   </a:solidFill>
@@ -2874,7 +2874,7 @@
             </a:ln>
             <a:extLst>
               <a:ext uri="{91240B29-F687-4f45-9708-019B960494DF}">
-                <a14:hiddenLine xmlns="" xmlns:a14="http://schemas.microsoft.com/office/drawing/2010/main" w="9525">
+                <a14:hiddenLine xmlns:a14="http://schemas.microsoft.com/office/drawing/2010/main" xmlns="" w="9525">
                   <a:solidFill>
                     <a:srgbClr val="000000"/>
                   </a:solidFill>
@@ -2936,7 +2936,7 @@
             </a:ln>
             <a:extLst>
               <a:ext uri="{91240B29-F687-4f45-9708-019B960494DF}">
-                <a14:hiddenLine xmlns="" xmlns:a14="http://schemas.microsoft.com/office/drawing/2010/main" w="9525">
+                <a14:hiddenLine xmlns:a14="http://schemas.microsoft.com/office/drawing/2010/main" xmlns="" w="9525">
                   <a:solidFill>
                     <a:srgbClr val="000000"/>
                   </a:solidFill>
@@ -3026,7 +3026,7 @@
             </a:ln>
             <a:extLst>
               <a:ext uri="{91240B29-F687-4f45-9708-019B960494DF}">
-                <a14:hiddenLine xmlns="" xmlns:a14="http://schemas.microsoft.com/office/drawing/2010/main" w="9525">
+                <a14:hiddenLine xmlns:a14="http://schemas.microsoft.com/office/drawing/2010/main" xmlns="" w="9525">
                   <a:solidFill>
                     <a:srgbClr val="000000"/>
                   </a:solidFill>
@@ -3094,7 +3094,7 @@
             </a:ln>
             <a:extLst>
               <a:ext uri="{91240B29-F687-4f45-9708-019B960494DF}">
-                <a14:hiddenLine xmlns="" xmlns:a14="http://schemas.microsoft.com/office/drawing/2010/main" w="9525">
+                <a14:hiddenLine xmlns:a14="http://schemas.microsoft.com/office/drawing/2010/main" xmlns="" w="9525">
                   <a:solidFill>
                     <a:srgbClr val="000000"/>
                   </a:solidFill>
@@ -3156,7 +3156,7 @@
             </a:ln>
             <a:extLst>
               <a:ext uri="{91240B29-F687-4f45-9708-019B960494DF}">
-                <a14:hiddenLine xmlns="" xmlns:a14="http://schemas.microsoft.com/office/drawing/2010/main" w="9525">
+                <a14:hiddenLine xmlns:a14="http://schemas.microsoft.com/office/drawing/2010/main" xmlns="" w="9525">
                   <a:solidFill>
                     <a:srgbClr val="000000"/>
                   </a:solidFill>
@@ -3246,7 +3246,7 @@
             </a:ln>
             <a:extLst>
               <a:ext uri="{91240B29-F687-4f45-9708-019B960494DF}">
-                <a14:hiddenLine xmlns="" xmlns:a14="http://schemas.microsoft.com/office/drawing/2010/main" w="9525">
+                <a14:hiddenLine xmlns:a14="http://schemas.microsoft.com/office/drawing/2010/main" xmlns="" w="9525">
                   <a:solidFill>
                     <a:srgbClr val="000000"/>
                   </a:solidFill>
@@ -3308,7 +3308,7 @@
             </a:ln>
             <a:extLst>
               <a:ext uri="{91240B29-F687-4f45-9708-019B960494DF}">
-                <a14:hiddenLine xmlns="" xmlns:a14="http://schemas.microsoft.com/office/drawing/2010/main" w="9525">
+                <a14:hiddenLine xmlns:a14="http://schemas.microsoft.com/office/drawing/2010/main" xmlns="" w="9525">
                   <a:solidFill>
                     <a:srgbClr val="000000"/>
                   </a:solidFill>
@@ -3398,7 +3398,7 @@
             </a:ln>
             <a:extLst>
               <a:ext uri="{91240B29-F687-4f45-9708-019B960494DF}">
-                <a14:hiddenLine xmlns="" xmlns:a14="http://schemas.microsoft.com/office/drawing/2010/main" w="9525">
+                <a14:hiddenLine xmlns:a14="http://schemas.microsoft.com/office/drawing/2010/main" xmlns="" w="9525">
                   <a:solidFill>
                     <a:srgbClr val="000000"/>
                   </a:solidFill>
@@ -3460,7 +3460,7 @@
             </a:ln>
             <a:extLst>
               <a:ext uri="{91240B29-F687-4f45-9708-019B960494DF}">
-                <a14:hiddenLine xmlns="" xmlns:a14="http://schemas.microsoft.com/office/drawing/2010/main" w="9525">
+                <a14:hiddenLine xmlns:a14="http://schemas.microsoft.com/office/drawing/2010/main" xmlns="" w="9525">
                   <a:solidFill>
                     <a:srgbClr val="000000"/>
                   </a:solidFill>
@@ -3550,7 +3550,7 @@
             </a:ln>
             <a:extLst>
               <a:ext uri="{91240B29-F687-4f45-9708-019B960494DF}">
-                <a14:hiddenLine xmlns="" xmlns:a14="http://schemas.microsoft.com/office/drawing/2010/main" w="9525">
+                <a14:hiddenLine xmlns:a14="http://schemas.microsoft.com/office/drawing/2010/main" xmlns="" w="9525">
                   <a:solidFill>
                     <a:srgbClr val="000000"/>
                   </a:solidFill>
@@ -3584,7 +3584,7 @@
             </a:ln>
             <a:extLst>
               <a:ext uri="{91240B29-F687-4f45-9708-019B960494DF}">
-                <a14:hiddenLine xmlns="" xmlns:a14="http://schemas.microsoft.com/office/drawing/2010/main" w="9525">
+                <a14:hiddenLine xmlns:a14="http://schemas.microsoft.com/office/drawing/2010/main" xmlns="" w="9525">
                   <a:solidFill>
                     <a:srgbClr val="000000"/>
                   </a:solidFill>
@@ -3649,7 +3649,7 @@
             </a:ln>
             <a:extLst>
               <a:ext uri="{91240B29-F687-4f45-9708-019B960494DF}">
-                <a14:hiddenLine xmlns="" xmlns:a14="http://schemas.microsoft.com/office/drawing/2010/main" w="9525">
+                <a14:hiddenLine xmlns:a14="http://schemas.microsoft.com/office/drawing/2010/main" xmlns="" w="9525">
                   <a:solidFill>
                     <a:srgbClr val="000000"/>
                   </a:solidFill>
@@ -3739,7 +3739,7 @@
             </a:ln>
             <a:extLst>
               <a:ext uri="{91240B29-F687-4f45-9708-019B960494DF}">
-                <a14:hiddenLine xmlns="" xmlns:a14="http://schemas.microsoft.com/office/drawing/2010/main" w="9525">
+                <a14:hiddenLine xmlns:a14="http://schemas.microsoft.com/office/drawing/2010/main" xmlns="" w="9525">
                   <a:solidFill>
                     <a:srgbClr val="000000"/>
                   </a:solidFill>
@@ -3801,7 +3801,7 @@
             </a:ln>
             <a:extLst>
               <a:ext uri="{91240B29-F687-4f45-9708-019B960494DF}">
-                <a14:hiddenLine xmlns="" xmlns:a14="http://schemas.microsoft.com/office/drawing/2010/main" w="9525">
+                <a14:hiddenLine xmlns:a14="http://schemas.microsoft.com/office/drawing/2010/main" xmlns="" w="9525">
                   <a:solidFill>
                     <a:srgbClr val="000000"/>
                   </a:solidFill>
@@ -3891,7 +3891,7 @@
             </a:ln>
             <a:extLst>
               <a:ext uri="{91240B29-F687-4f45-9708-019B960494DF}">
-                <a14:hiddenLine xmlns="" xmlns:a14="http://schemas.microsoft.com/office/drawing/2010/main" w="9525">
+                <a14:hiddenLine xmlns:a14="http://schemas.microsoft.com/office/drawing/2010/main" xmlns="" w="9525">
                   <a:solidFill>
                     <a:srgbClr val="000000"/>
                   </a:solidFill>
@@ -3981,7 +3981,7 @@
             </a:ln>
             <a:extLst>
               <a:ext uri="{91240B29-F687-4f45-9708-019B960494DF}">
-                <a14:hiddenLine xmlns="" xmlns:a14="http://schemas.microsoft.com/office/drawing/2010/main" w="9525">
+                <a14:hiddenLine xmlns:a14="http://schemas.microsoft.com/office/drawing/2010/main" xmlns="" w="9525">
                   <a:solidFill>
                     <a:srgbClr val="000000"/>
                   </a:solidFill>
@@ -4046,7 +4046,7 @@
             </a:ln>
             <a:extLst>
               <a:ext uri="{91240B29-F687-4f45-9708-019B960494DF}">
-                <a14:hiddenLine xmlns="" xmlns:a14="http://schemas.microsoft.com/office/drawing/2010/main" w="9525">
+                <a14:hiddenLine xmlns:a14="http://schemas.microsoft.com/office/drawing/2010/main" xmlns="" w="9525">
                   <a:solidFill>
                     <a:srgbClr val="000000"/>
                   </a:solidFill>
@@ -4108,7 +4108,7 @@
             </a:ln>
             <a:extLst>
               <a:ext uri="{91240B29-F687-4f45-9708-019B960494DF}">
-                <a14:hiddenLine xmlns="" xmlns:a14="http://schemas.microsoft.com/office/drawing/2010/main" w="9525">
+                <a14:hiddenLine xmlns:a14="http://schemas.microsoft.com/office/drawing/2010/main" xmlns="" w="9525">
                   <a:solidFill>
                     <a:srgbClr val="000000"/>
                   </a:solidFill>
@@ -4198,7 +4198,7 @@
             </a:ln>
             <a:extLst>
               <a:ext uri="{91240B29-F687-4f45-9708-019B960494DF}">
-                <a14:hiddenLine xmlns="" xmlns:a14="http://schemas.microsoft.com/office/drawing/2010/main" w="9525">
+                <a14:hiddenLine xmlns:a14="http://schemas.microsoft.com/office/drawing/2010/main" xmlns="" w="9525">
                   <a:solidFill>
                     <a:srgbClr val="000000"/>
                   </a:solidFill>
@@ -4288,7 +4288,7 @@
             </a:ln>
             <a:extLst>
               <a:ext uri="{91240B29-F687-4f45-9708-019B960494DF}">
-                <a14:hiddenLine xmlns="" xmlns:a14="http://schemas.microsoft.com/office/drawing/2010/main" w="9525">
+                <a14:hiddenLine xmlns:a14="http://schemas.microsoft.com/office/drawing/2010/main" xmlns="" w="9525">
                   <a:solidFill>
                     <a:srgbClr val="000000"/>
                   </a:solidFill>
@@ -4350,7 +4350,7 @@
             </a:ln>
             <a:extLst>
               <a:ext uri="{91240B29-F687-4f45-9708-019B960494DF}">
-                <a14:hiddenLine xmlns="" xmlns:a14="http://schemas.microsoft.com/office/drawing/2010/main" w="9525">
+                <a14:hiddenLine xmlns:a14="http://schemas.microsoft.com/office/drawing/2010/main" xmlns="" w="9525">
                   <a:solidFill>
                     <a:srgbClr val="000000"/>
                   </a:solidFill>
@@ -4470,7 +4470,7 @@
             </a:ln>
             <a:extLst>
               <a:ext uri="{91240B29-F687-4f45-9708-019B960494DF}">
-                <a14:hiddenLine xmlns="" xmlns:a14="http://schemas.microsoft.com/office/drawing/2010/main" w="9525">
+                <a14:hiddenLine xmlns:a14="http://schemas.microsoft.com/office/drawing/2010/main" xmlns="" w="9525">
                   <a:solidFill>
                     <a:srgbClr val="000000"/>
                   </a:solidFill>
@@ -4538,7 +4538,7 @@
             </a:ln>
             <a:extLst>
               <a:ext uri="{91240B29-F687-4f45-9708-019B960494DF}">
-                <a14:hiddenLine xmlns="" xmlns:a14="http://schemas.microsoft.com/office/drawing/2010/main" w="9525">
+                <a14:hiddenLine xmlns:a14="http://schemas.microsoft.com/office/drawing/2010/main" xmlns="" w="9525">
                   <a:solidFill>
                     <a:srgbClr val="000000"/>
                   </a:solidFill>
@@ -4628,7 +4628,7 @@
             </a:ln>
             <a:extLst>
               <a:ext uri="{91240B29-F687-4f45-9708-019B960494DF}">
-                <a14:hiddenLine xmlns="" xmlns:a14="http://schemas.microsoft.com/office/drawing/2010/main" w="9525">
+                <a14:hiddenLine xmlns:a14="http://schemas.microsoft.com/office/drawing/2010/main" xmlns="" w="9525">
                   <a:solidFill>
                     <a:srgbClr val="000000"/>
                   </a:solidFill>
@@ -4768,7 +4768,7 @@
           <a:p>
             <a:fld id="{29DD0DF8-4FBF-40C0-9DF6-4AFAA6B83028}" type="datetimeFigureOut">
               <a:rPr lang="en-ZA" smtClean="0"/>
-              <a:t>2024/05/22</a:t>
+              <a:t>2024/06/07</a:t>
             </a:fld>
             <a:endParaRPr lang="en-ZA"/>
           </a:p>
@@ -5035,7 +5035,7 @@
           <a:p>
             <a:fld id="{29DD0DF8-4FBF-40C0-9DF6-4AFAA6B83028}" type="datetimeFigureOut">
               <a:rPr lang="en-ZA" smtClean="0"/>
-              <a:t>2024/05/22</a:t>
+              <a:t>2024/06/07</a:t>
             </a:fld>
             <a:endParaRPr lang="en-ZA"/>
           </a:p>
@@ -5231,7 +5231,7 @@
           <a:p>
             <a:fld id="{29DD0DF8-4FBF-40C0-9DF6-4AFAA6B83028}" type="datetimeFigureOut">
               <a:rPr lang="en-ZA" smtClean="0"/>
-              <a:t>2024/05/22</a:t>
+              <a:t>2024/06/07</a:t>
             </a:fld>
             <a:endParaRPr lang="en-ZA"/>
           </a:p>
@@ -5494,7 +5494,7 @@
           <a:p>
             <a:fld id="{29DD0DF8-4FBF-40C0-9DF6-4AFAA6B83028}" type="datetimeFigureOut">
               <a:rPr lang="en-ZA" smtClean="0"/>
-              <a:t>2024/05/22</a:t>
+              <a:t>2024/06/07</a:t>
             </a:fld>
             <a:endParaRPr lang="en-ZA"/>
           </a:p>
@@ -5928,7 +5928,7 @@
           <a:p>
             <a:fld id="{29DD0DF8-4FBF-40C0-9DF6-4AFAA6B83028}" type="datetimeFigureOut">
               <a:rPr lang="en-ZA" smtClean="0"/>
-              <a:t>2024/05/22</a:t>
+              <a:t>2024/06/07</a:t>
             </a:fld>
             <a:endParaRPr lang="en-ZA"/>
           </a:p>
@@ -6474,7 +6474,7 @@
           <a:p>
             <a:fld id="{29DD0DF8-4FBF-40C0-9DF6-4AFAA6B83028}" type="datetimeFigureOut">
               <a:rPr lang="en-ZA" smtClean="0"/>
-              <a:t>2024/05/22</a:t>
+              <a:t>2024/06/07</a:t>
             </a:fld>
             <a:endParaRPr lang="en-ZA"/>
           </a:p>
@@ -7194,7 +7194,7 @@
           <a:p>
             <a:fld id="{29DD0DF8-4FBF-40C0-9DF6-4AFAA6B83028}" type="datetimeFigureOut">
               <a:rPr lang="en-ZA" smtClean="0"/>
-              <a:t>2024/05/22</a:t>
+              <a:t>2024/06/07</a:t>
             </a:fld>
             <a:endParaRPr lang="en-ZA"/>
           </a:p>
@@ -7364,7 +7364,7 @@
           <a:p>
             <a:fld id="{29DD0DF8-4FBF-40C0-9DF6-4AFAA6B83028}" type="datetimeFigureOut">
               <a:rPr lang="en-ZA" smtClean="0"/>
-              <a:t>2024/05/22</a:t>
+              <a:t>2024/06/07</a:t>
             </a:fld>
             <a:endParaRPr lang="en-ZA"/>
           </a:p>
@@ -7544,7 +7544,7 @@
           <a:p>
             <a:fld id="{29DD0DF8-4FBF-40C0-9DF6-4AFAA6B83028}" type="datetimeFigureOut">
               <a:rPr lang="en-ZA" smtClean="0"/>
-              <a:t>2024/05/22</a:t>
+              <a:t>2024/06/07</a:t>
             </a:fld>
             <a:endParaRPr lang="en-ZA"/>
           </a:p>
@@ -7714,7 +7714,7 @@
           <a:p>
             <a:fld id="{29DD0DF8-4FBF-40C0-9DF6-4AFAA6B83028}" type="datetimeFigureOut">
               <a:rPr lang="en-ZA" smtClean="0"/>
-              <a:t>2024/05/22</a:t>
+              <a:t>2024/06/07</a:t>
             </a:fld>
             <a:endParaRPr lang="en-ZA"/>
           </a:p>
@@ -7964,7 +7964,7 @@
           <a:p>
             <a:fld id="{29DD0DF8-4FBF-40C0-9DF6-4AFAA6B83028}" type="datetimeFigureOut">
               <a:rPr lang="en-ZA" smtClean="0"/>
-              <a:t>2024/05/22</a:t>
+              <a:t>2024/06/07</a:t>
             </a:fld>
             <a:endParaRPr lang="en-ZA"/>
           </a:p>
@@ -8196,7 +8196,7 @@
           <a:p>
             <a:fld id="{29DD0DF8-4FBF-40C0-9DF6-4AFAA6B83028}" type="datetimeFigureOut">
               <a:rPr lang="en-ZA" smtClean="0"/>
-              <a:t>2024/05/22</a:t>
+              <a:t>2024/06/07</a:t>
             </a:fld>
             <a:endParaRPr lang="en-ZA"/>
           </a:p>
@@ -8577,7 +8577,7 @@
           <a:p>
             <a:fld id="{29DD0DF8-4FBF-40C0-9DF6-4AFAA6B83028}" type="datetimeFigureOut">
               <a:rPr lang="en-ZA" smtClean="0"/>
-              <a:t>2024/05/22</a:t>
+              <a:t>2024/06/07</a:t>
             </a:fld>
             <a:endParaRPr lang="en-ZA"/>
           </a:p>
@@ -8695,7 +8695,7 @@
           <a:p>
             <a:fld id="{29DD0DF8-4FBF-40C0-9DF6-4AFAA6B83028}" type="datetimeFigureOut">
               <a:rPr lang="en-ZA" smtClean="0"/>
-              <a:t>2024/05/22</a:t>
+              <a:t>2024/06/07</a:t>
             </a:fld>
             <a:endParaRPr lang="en-ZA"/>
           </a:p>
@@ -8790,7 +8790,7 @@
           <a:p>
             <a:fld id="{29DD0DF8-4FBF-40C0-9DF6-4AFAA6B83028}" type="datetimeFigureOut">
               <a:rPr lang="en-ZA" smtClean="0"/>
-              <a:t>2024/05/22</a:t>
+              <a:t>2024/06/07</a:t>
             </a:fld>
             <a:endParaRPr lang="en-ZA"/>
           </a:p>
@@ -9039,7 +9039,7 @@
           <a:p>
             <a:fld id="{29DD0DF8-4FBF-40C0-9DF6-4AFAA6B83028}" type="datetimeFigureOut">
               <a:rPr lang="en-ZA" smtClean="0"/>
-              <a:t>2024/05/22</a:t>
+              <a:t>2024/06/07</a:t>
             </a:fld>
             <a:endParaRPr lang="en-ZA"/>
           </a:p>
@@ -9319,7 +9319,7 @@
           <a:p>
             <a:fld id="{29DD0DF8-4FBF-40C0-9DF6-4AFAA6B83028}" type="datetimeFigureOut">
               <a:rPr lang="en-ZA" smtClean="0"/>
-              <a:t>2024/05/22</a:t>
+              <a:t>2024/06/07</a:t>
             </a:fld>
             <a:endParaRPr lang="en-ZA"/>
           </a:p>
@@ -9435,7 +9435,7 @@
           <a:noFill/>
           <a:extLst>
             <a:ext uri="{909E8E84-426E-40dd-AFC4-6F175D3DCCD1}">
-              <a14:hiddenFill xmlns="" xmlns:a14="http://schemas.microsoft.com/office/drawing/2010/main">
+              <a14:hiddenFill xmlns:a14="http://schemas.microsoft.com/office/drawing/2010/main" xmlns="">
                 <a:solidFill>
                   <a:srgbClr val="FFFFFF"/>
                 </a:solidFill>
@@ -9509,7 +9509,7 @@
               </a:ln>
               <a:extLst>
                 <a:ext uri="{91240B29-F687-4f45-9708-019B960494DF}">
-                  <a14:hiddenLine xmlns="" xmlns:a14="http://schemas.microsoft.com/office/drawing/2010/main" w="9525">
+                  <a14:hiddenLine xmlns:a14="http://schemas.microsoft.com/office/drawing/2010/main" xmlns="" w="9525">
                     <a:solidFill>
                       <a:srgbClr val="000000"/>
                     </a:solidFill>
@@ -9599,7 +9599,7 @@
               </a:ln>
               <a:extLst>
                 <a:ext uri="{91240B29-F687-4f45-9708-019B960494DF}">
-                  <a14:hiddenLine xmlns="" xmlns:a14="http://schemas.microsoft.com/office/drawing/2010/main" w="9525">
+                  <a14:hiddenLine xmlns:a14="http://schemas.microsoft.com/office/drawing/2010/main" xmlns="" w="9525">
                     <a:solidFill>
                       <a:srgbClr val="000000"/>
                     </a:solidFill>
@@ -9689,7 +9689,7 @@
               </a:ln>
               <a:extLst>
                 <a:ext uri="{91240B29-F687-4f45-9708-019B960494DF}">
-                  <a14:hiddenLine xmlns="" xmlns:a14="http://schemas.microsoft.com/office/drawing/2010/main" w="9525">
+                  <a14:hiddenLine xmlns:a14="http://schemas.microsoft.com/office/drawing/2010/main" xmlns="" w="9525">
                     <a:solidFill>
                       <a:srgbClr val="000000"/>
                     </a:solidFill>
@@ -9751,7 +9751,7 @@
               </a:ln>
               <a:extLst>
                 <a:ext uri="{91240B29-F687-4f45-9708-019B960494DF}">
-                  <a14:hiddenLine xmlns="" xmlns:a14="http://schemas.microsoft.com/office/drawing/2010/main" w="9525">
+                  <a14:hiddenLine xmlns:a14="http://schemas.microsoft.com/office/drawing/2010/main" xmlns="" w="9525">
                     <a:solidFill>
                       <a:srgbClr val="000000"/>
                     </a:solidFill>
@@ -9841,7 +9841,7 @@
               </a:ln>
               <a:extLst>
                 <a:ext uri="{91240B29-F687-4f45-9708-019B960494DF}">
-                  <a14:hiddenLine xmlns="" xmlns:a14="http://schemas.microsoft.com/office/drawing/2010/main" w="9525">
+                  <a14:hiddenLine xmlns:a14="http://schemas.microsoft.com/office/drawing/2010/main" xmlns="" w="9525">
                     <a:solidFill>
                       <a:srgbClr val="000000"/>
                     </a:solidFill>
@@ -9903,7 +9903,7 @@
               </a:ln>
               <a:extLst>
                 <a:ext uri="{91240B29-F687-4f45-9708-019B960494DF}">
-                  <a14:hiddenLine xmlns="" xmlns:a14="http://schemas.microsoft.com/office/drawing/2010/main" w="9525">
+                  <a14:hiddenLine xmlns:a14="http://schemas.microsoft.com/office/drawing/2010/main" xmlns="" w="9525">
                     <a:solidFill>
                       <a:srgbClr val="000000"/>
                     </a:solidFill>
@@ -9965,7 +9965,7 @@
               </a:ln>
               <a:extLst>
                 <a:ext uri="{91240B29-F687-4f45-9708-019B960494DF}">
-                  <a14:hiddenLine xmlns="" xmlns:a14="http://schemas.microsoft.com/office/drawing/2010/main" w="9525">
+                  <a14:hiddenLine xmlns:a14="http://schemas.microsoft.com/office/drawing/2010/main" xmlns="" w="9525">
                     <a:solidFill>
                       <a:srgbClr val="000000"/>
                     </a:solidFill>
@@ -10055,7 +10055,7 @@
               </a:ln>
               <a:extLst>
                 <a:ext uri="{91240B29-F687-4f45-9708-019B960494DF}">
-                  <a14:hiddenLine xmlns="" xmlns:a14="http://schemas.microsoft.com/office/drawing/2010/main" w="9525">
+                  <a14:hiddenLine xmlns:a14="http://schemas.microsoft.com/office/drawing/2010/main" xmlns="" w="9525">
                     <a:solidFill>
                       <a:srgbClr val="000000"/>
                     </a:solidFill>
@@ -10145,7 +10145,7 @@
               </a:ln>
               <a:extLst>
                 <a:ext uri="{91240B29-F687-4f45-9708-019B960494DF}">
-                  <a14:hiddenLine xmlns="" xmlns:a14="http://schemas.microsoft.com/office/drawing/2010/main" w="9525">
+                  <a14:hiddenLine xmlns:a14="http://schemas.microsoft.com/office/drawing/2010/main" xmlns="" w="9525">
                     <a:solidFill>
                       <a:srgbClr val="000000"/>
                     </a:solidFill>
@@ -10207,7 +10207,7 @@
               </a:ln>
               <a:extLst>
                 <a:ext uri="{91240B29-F687-4f45-9708-019B960494DF}">
-                  <a14:hiddenLine xmlns="" xmlns:a14="http://schemas.microsoft.com/office/drawing/2010/main" w="9525">
+                  <a14:hiddenLine xmlns:a14="http://schemas.microsoft.com/office/drawing/2010/main" xmlns="" w="9525">
                     <a:solidFill>
                       <a:srgbClr val="000000"/>
                     </a:solidFill>
@@ -10317,7 +10317,7 @@
               </a:ln>
               <a:extLst>
                 <a:ext uri="{91240B29-F687-4f45-9708-019B960494DF}">
-                  <a14:hiddenLine xmlns="" xmlns:a14="http://schemas.microsoft.com/office/drawing/2010/main" w="9525">
+                  <a14:hiddenLine xmlns:a14="http://schemas.microsoft.com/office/drawing/2010/main" xmlns="" w="9525">
                     <a:solidFill>
                       <a:srgbClr val="000000"/>
                     </a:solidFill>
@@ -10401,7 +10401,7 @@
               </a:ln>
               <a:extLst>
                 <a:ext uri="{91240B29-F687-4f45-9708-019B960494DF}">
-                  <a14:hiddenLine xmlns="" xmlns:a14="http://schemas.microsoft.com/office/drawing/2010/main" w="9525">
+                  <a14:hiddenLine xmlns:a14="http://schemas.microsoft.com/office/drawing/2010/main" xmlns="" w="9525">
                     <a:solidFill>
                       <a:srgbClr val="000000"/>
                     </a:solidFill>
@@ -10463,7 +10463,7 @@
               </a:ln>
               <a:extLst>
                 <a:ext uri="{91240B29-F687-4f45-9708-019B960494DF}">
-                  <a14:hiddenLine xmlns="" xmlns:a14="http://schemas.microsoft.com/office/drawing/2010/main" w="9525">
+                  <a14:hiddenLine xmlns:a14="http://schemas.microsoft.com/office/drawing/2010/main" xmlns="" w="9525">
                     <a:solidFill>
                       <a:srgbClr val="000000"/>
                     </a:solidFill>
@@ -10525,7 +10525,7 @@
               </a:ln>
               <a:extLst>
                 <a:ext uri="{91240B29-F687-4f45-9708-019B960494DF}">
-                  <a14:hiddenLine xmlns="" xmlns:a14="http://schemas.microsoft.com/office/drawing/2010/main" w="9525">
+                  <a14:hiddenLine xmlns:a14="http://schemas.microsoft.com/office/drawing/2010/main" xmlns="" w="9525">
                     <a:solidFill>
                       <a:srgbClr val="000000"/>
                     </a:solidFill>
@@ -10615,7 +10615,7 @@
               </a:ln>
               <a:extLst>
                 <a:ext uri="{91240B29-F687-4f45-9708-019B960494DF}">
-                  <a14:hiddenLine xmlns="" xmlns:a14="http://schemas.microsoft.com/office/drawing/2010/main" w="9525">
+                  <a14:hiddenLine xmlns:a14="http://schemas.microsoft.com/office/drawing/2010/main" xmlns="" w="9525">
                     <a:solidFill>
                       <a:srgbClr val="000000"/>
                     </a:solidFill>
@@ -10649,7 +10649,7 @@
               </a:ln>
               <a:extLst>
                 <a:ext uri="{91240B29-F687-4f45-9708-019B960494DF}">
-                  <a14:hiddenLine xmlns="" xmlns:a14="http://schemas.microsoft.com/office/drawing/2010/main" w="9525">
+                  <a14:hiddenLine xmlns:a14="http://schemas.microsoft.com/office/drawing/2010/main" xmlns="" w="9525">
                     <a:solidFill>
                       <a:srgbClr val="000000"/>
                     </a:solidFill>
@@ -10714,7 +10714,7 @@
               </a:ln>
               <a:extLst>
                 <a:ext uri="{91240B29-F687-4f45-9708-019B960494DF}">
-                  <a14:hiddenLine xmlns="" xmlns:a14="http://schemas.microsoft.com/office/drawing/2010/main" w="9525">
+                  <a14:hiddenLine xmlns:a14="http://schemas.microsoft.com/office/drawing/2010/main" xmlns="" w="9525">
                     <a:solidFill>
                       <a:srgbClr val="000000"/>
                     </a:solidFill>
@@ -10804,7 +10804,7 @@
               </a:ln>
               <a:extLst>
                 <a:ext uri="{91240B29-F687-4f45-9708-019B960494DF}">
-                  <a14:hiddenLine xmlns="" xmlns:a14="http://schemas.microsoft.com/office/drawing/2010/main" w="9525">
+                  <a14:hiddenLine xmlns:a14="http://schemas.microsoft.com/office/drawing/2010/main" xmlns="" w="9525">
                     <a:solidFill>
                       <a:srgbClr val="000000"/>
                     </a:solidFill>
@@ -10866,7 +10866,7 @@
               </a:ln>
               <a:extLst>
                 <a:ext uri="{91240B29-F687-4f45-9708-019B960494DF}">
-                  <a14:hiddenLine xmlns="" xmlns:a14="http://schemas.microsoft.com/office/drawing/2010/main" w="9525">
+                  <a14:hiddenLine xmlns:a14="http://schemas.microsoft.com/office/drawing/2010/main" xmlns="" w="9525">
                     <a:solidFill>
                       <a:srgbClr val="000000"/>
                     </a:solidFill>
@@ -10956,7 +10956,7 @@
               </a:ln>
               <a:extLst>
                 <a:ext uri="{91240B29-F687-4f45-9708-019B960494DF}">
-                  <a14:hiddenLine xmlns="" xmlns:a14="http://schemas.microsoft.com/office/drawing/2010/main" w="9525">
+                  <a14:hiddenLine xmlns:a14="http://schemas.microsoft.com/office/drawing/2010/main" xmlns="" w="9525">
                     <a:solidFill>
                       <a:srgbClr val="000000"/>
                     </a:solidFill>
@@ -11021,7 +11021,7 @@
               </a:ln>
               <a:extLst>
                 <a:ext uri="{91240B29-F687-4f45-9708-019B960494DF}">
-                  <a14:hiddenLine xmlns="" xmlns:a14="http://schemas.microsoft.com/office/drawing/2010/main" w="9525">
+                  <a14:hiddenLine xmlns:a14="http://schemas.microsoft.com/office/drawing/2010/main" xmlns="" w="9525">
                     <a:solidFill>
                       <a:srgbClr val="000000"/>
                     </a:solidFill>
@@ -11083,7 +11083,7 @@
               </a:ln>
               <a:extLst>
                 <a:ext uri="{91240B29-F687-4f45-9708-019B960494DF}">
-                  <a14:hiddenLine xmlns="" xmlns:a14="http://schemas.microsoft.com/office/drawing/2010/main" w="9525">
+                  <a14:hiddenLine xmlns:a14="http://schemas.microsoft.com/office/drawing/2010/main" xmlns="" w="9525">
                     <a:solidFill>
                       <a:srgbClr val="000000"/>
                     </a:solidFill>
@@ -11173,7 +11173,7 @@
               </a:ln>
               <a:extLst>
                 <a:ext uri="{91240B29-F687-4f45-9708-019B960494DF}">
-                  <a14:hiddenLine xmlns="" xmlns:a14="http://schemas.microsoft.com/office/drawing/2010/main" w="9525">
+                  <a14:hiddenLine xmlns:a14="http://schemas.microsoft.com/office/drawing/2010/main" xmlns="" w="9525">
                     <a:solidFill>
                       <a:srgbClr val="000000"/>
                     </a:solidFill>
@@ -11263,7 +11263,7 @@
               </a:ln>
               <a:extLst>
                 <a:ext uri="{91240B29-F687-4f45-9708-019B960494DF}">
-                  <a14:hiddenLine xmlns="" xmlns:a14="http://schemas.microsoft.com/office/drawing/2010/main" w="9525">
+                  <a14:hiddenLine xmlns:a14="http://schemas.microsoft.com/office/drawing/2010/main" xmlns="" w="9525">
                     <a:solidFill>
                       <a:srgbClr val="000000"/>
                     </a:solidFill>
@@ -11328,7 +11328,7 @@
               </a:ln>
               <a:extLst>
                 <a:ext uri="{91240B29-F687-4f45-9708-019B960494DF}">
-                  <a14:hiddenLine xmlns="" xmlns:a14="http://schemas.microsoft.com/office/drawing/2010/main" w="9525">
+                  <a14:hiddenLine xmlns:a14="http://schemas.microsoft.com/office/drawing/2010/main" xmlns="" w="9525">
                     <a:solidFill>
                       <a:srgbClr val="000000"/>
                     </a:solidFill>
@@ -11448,7 +11448,7 @@
               </a:ln>
               <a:extLst>
                 <a:ext uri="{91240B29-F687-4f45-9708-019B960494DF}">
-                  <a14:hiddenLine xmlns="" xmlns:a14="http://schemas.microsoft.com/office/drawing/2010/main" w="9525">
+                  <a14:hiddenLine xmlns:a14="http://schemas.microsoft.com/office/drawing/2010/main" xmlns="" w="9525">
                     <a:solidFill>
                       <a:srgbClr val="000000"/>
                     </a:solidFill>
@@ -11546,7 +11546,7 @@
               </a:ln>
               <a:extLst>
                 <a:ext uri="{91240B29-F687-4f45-9708-019B960494DF}">
-                  <a14:hiddenLine xmlns="" xmlns:a14="http://schemas.microsoft.com/office/drawing/2010/main" w="9525">
+                  <a14:hiddenLine xmlns:a14="http://schemas.microsoft.com/office/drawing/2010/main" xmlns="" w="9525">
                     <a:solidFill>
                       <a:srgbClr val="000000"/>
                     </a:solidFill>
@@ -11661,7 +11661,7 @@
               </a:ln>
               <a:extLst>
                 <a:ext uri="{91240B29-F687-4f45-9708-019B960494DF}">
-                  <a14:hiddenLine xmlns="" xmlns:a14="http://schemas.microsoft.com/office/drawing/2010/main" w="9525">
+                  <a14:hiddenLine xmlns:a14="http://schemas.microsoft.com/office/drawing/2010/main" xmlns="" w="9525">
                     <a:solidFill>
                       <a:srgbClr val="000000"/>
                     </a:solidFill>
@@ -11751,7 +11751,7 @@
               </a:ln>
               <a:extLst>
                 <a:ext uri="{91240B29-F687-4f45-9708-019B960494DF}">
-                  <a14:hiddenLine xmlns="" xmlns:a14="http://schemas.microsoft.com/office/drawing/2010/main" w="9525">
+                  <a14:hiddenLine xmlns:a14="http://schemas.microsoft.com/office/drawing/2010/main" xmlns="" w="9525">
                     <a:solidFill>
                       <a:srgbClr val="000000"/>
                     </a:solidFill>
@@ -11816,7 +11816,7 @@
               </a:ln>
               <a:extLst>
                 <a:ext uri="{91240B29-F687-4f45-9708-019B960494DF}">
-                  <a14:hiddenLine xmlns="" xmlns:a14="http://schemas.microsoft.com/office/drawing/2010/main" w="9525">
+                  <a14:hiddenLine xmlns:a14="http://schemas.microsoft.com/office/drawing/2010/main" xmlns="" w="9525">
                     <a:solidFill>
                       <a:srgbClr val="000000"/>
                     </a:solidFill>
@@ -11906,7 +11906,7 @@
               </a:ln>
               <a:extLst>
                 <a:ext uri="{91240B29-F687-4f45-9708-019B960494DF}">
-                  <a14:hiddenLine xmlns="" xmlns:a14="http://schemas.microsoft.com/office/drawing/2010/main" w="9525">
+                  <a14:hiddenLine xmlns:a14="http://schemas.microsoft.com/office/drawing/2010/main" xmlns="" w="9525">
                     <a:solidFill>
                       <a:srgbClr val="000000"/>
                     </a:solidFill>
@@ -11974,7 +11974,7 @@
               </a:ln>
               <a:extLst>
                 <a:ext uri="{91240B29-F687-4f45-9708-019B960494DF}">
-                  <a14:hiddenLine xmlns="" xmlns:a14="http://schemas.microsoft.com/office/drawing/2010/main" w="9525">
+                  <a14:hiddenLine xmlns:a14="http://schemas.microsoft.com/office/drawing/2010/main" xmlns="" w="9525">
                     <a:solidFill>
                       <a:srgbClr val="000000"/>
                     </a:solidFill>
@@ -12064,7 +12064,7 @@
               </a:ln>
               <a:extLst>
                 <a:ext uri="{91240B29-F687-4f45-9708-019B960494DF}">
-                  <a14:hiddenLine xmlns="" xmlns:a14="http://schemas.microsoft.com/office/drawing/2010/main" w="9525">
+                  <a14:hiddenLine xmlns:a14="http://schemas.microsoft.com/office/drawing/2010/main" xmlns="" w="9525">
                     <a:solidFill>
                       <a:srgbClr val="000000"/>
                     </a:solidFill>
@@ -12132,7 +12132,7 @@
               </a:ln>
               <a:extLst>
                 <a:ext uri="{91240B29-F687-4f45-9708-019B960494DF}">
-                  <a14:hiddenLine xmlns="" xmlns:a14="http://schemas.microsoft.com/office/drawing/2010/main" w="9525">
+                  <a14:hiddenLine xmlns:a14="http://schemas.microsoft.com/office/drawing/2010/main" xmlns="" w="9525">
                     <a:solidFill>
                       <a:srgbClr val="000000"/>
                     </a:solidFill>
@@ -12222,7 +12222,7 @@
               </a:ln>
               <a:extLst>
                 <a:ext uri="{91240B29-F687-4f45-9708-019B960494DF}">
-                  <a14:hiddenLine xmlns="" xmlns:a14="http://schemas.microsoft.com/office/drawing/2010/main" w="9525">
+                  <a14:hiddenLine xmlns:a14="http://schemas.microsoft.com/office/drawing/2010/main" xmlns="" w="9525">
                     <a:solidFill>
                       <a:srgbClr val="000000"/>
                     </a:solidFill>
@@ -12256,7 +12256,7 @@
               </a:ln>
               <a:extLst>
                 <a:ext uri="{91240B29-F687-4f45-9708-019B960494DF}">
-                  <a14:hiddenLine xmlns="" xmlns:a14="http://schemas.microsoft.com/office/drawing/2010/main" w="9525">
+                  <a14:hiddenLine xmlns:a14="http://schemas.microsoft.com/office/drawing/2010/main" xmlns="" w="9525">
                     <a:solidFill>
                       <a:srgbClr val="000000"/>
                     </a:solidFill>
@@ -12396,7 +12396,7 @@
           <a:p>
             <a:fld id="{29DD0DF8-4FBF-40C0-9DF6-4AFAA6B83028}" type="datetimeFigureOut">
               <a:rPr lang="en-ZA" smtClean="0"/>
-              <a:t>2024/05/22</a:t>
+              <a:t>2024/06/07</a:t>
             </a:fld>
             <a:endParaRPr lang="en-ZA"/>
           </a:p>
@@ -13457,20 +13457,7 @@
           <a:p>
             <a:r>
               <a:rPr lang="en-US" dirty="0"/>
-              <a:t>The data was gathered by the insurance company where the claims were submitted. The data will provide some clear insights as to what is happening in the insurance industry. The problem </a:t>
-            </a:r>
-            <a:r>
-              <a:rPr lang="en-US" sz="1800" kern="100" dirty="0">
-                <a:effectLst/>
-                <a:latin typeface="Aptos" panose="020B0004020202020204" pitchFamily="34" charset="0"/>
-                <a:ea typeface="Aptos" panose="020B0004020202020204" pitchFamily="34" charset="0"/>
-                <a:cs typeface="Times New Roman" panose="02020603050405020304" pitchFamily="18" charset="0"/>
-              </a:rPr>
-              <a:t>to conduct customer segment analysis </a:t>
-            </a:r>
-            <a:r>
-              <a:rPr lang="en-US" dirty="0"/>
-              <a:t>can be solved through visualisation software such as Microsoft </a:t>
+              <a:t>The data was gathered by the insurance company where the claims were submitted. The data will provide some clear insights as to what is happening in the insurance industry. The problem to conduct customer segment analysis can be solved through visualisation software such as Microsoft </a:t>
             </a:r>
             <a:r>
               <a:rPr lang="en-US" dirty="0" err="1"/>
